--- a/ps6/figures.pptx
+++ b/ps6/figures.pptx
@@ -6,6 +6,7 @@
   </p:sldMasterIdLst>
   <p:sldIdLst>
     <p:sldId id="259" r:id="rId2"/>
+    <p:sldId id="260" r:id="rId3"/>
   </p:sldIdLst>
   <p:sldSz cx="12192000" cy="6858000"/>
   <p:notesSz cx="6858000" cy="9144000"/>
@@ -243,7 +244,7 @@
           <a:p>
             <a:fld id="{99DA3316-8CDF-334B-B2E7-0F5EE8E4A790}" type="datetimeFigureOut">
               <a:rPr lang="en-US" smtClean="0"/>
-              <a:t>11/18/18</a:t>
+              <a:t>11/19/18</a:t>
             </a:fld>
             <a:endParaRPr lang="en-US"/>
           </a:p>
@@ -413,7 +414,7 @@
           <a:p>
             <a:fld id="{99DA3316-8CDF-334B-B2E7-0F5EE8E4A790}" type="datetimeFigureOut">
               <a:rPr lang="en-US" smtClean="0"/>
-              <a:t>11/18/18</a:t>
+              <a:t>11/19/18</a:t>
             </a:fld>
             <a:endParaRPr lang="en-US"/>
           </a:p>
@@ -593,7 +594,7 @@
           <a:p>
             <a:fld id="{99DA3316-8CDF-334B-B2E7-0F5EE8E4A790}" type="datetimeFigureOut">
               <a:rPr lang="en-US" smtClean="0"/>
-              <a:t>11/18/18</a:t>
+              <a:t>11/19/18</a:t>
             </a:fld>
             <a:endParaRPr lang="en-US"/>
           </a:p>
@@ -763,7 +764,7 @@
           <a:p>
             <a:fld id="{99DA3316-8CDF-334B-B2E7-0F5EE8E4A790}" type="datetimeFigureOut">
               <a:rPr lang="en-US" smtClean="0"/>
-              <a:t>11/18/18</a:t>
+              <a:t>11/19/18</a:t>
             </a:fld>
             <a:endParaRPr lang="en-US"/>
           </a:p>
@@ -1009,7 +1010,7 @@
           <a:p>
             <a:fld id="{99DA3316-8CDF-334B-B2E7-0F5EE8E4A790}" type="datetimeFigureOut">
               <a:rPr lang="en-US" smtClean="0"/>
-              <a:t>11/18/18</a:t>
+              <a:t>11/19/18</a:t>
             </a:fld>
             <a:endParaRPr lang="en-US"/>
           </a:p>
@@ -1241,7 +1242,7 @@
           <a:p>
             <a:fld id="{99DA3316-8CDF-334B-B2E7-0F5EE8E4A790}" type="datetimeFigureOut">
               <a:rPr lang="en-US" smtClean="0"/>
-              <a:t>11/18/18</a:t>
+              <a:t>11/19/18</a:t>
             </a:fld>
             <a:endParaRPr lang="en-US"/>
           </a:p>
@@ -1608,7 +1609,7 @@
           <a:p>
             <a:fld id="{99DA3316-8CDF-334B-B2E7-0F5EE8E4A790}" type="datetimeFigureOut">
               <a:rPr lang="en-US" smtClean="0"/>
-              <a:t>11/18/18</a:t>
+              <a:t>11/19/18</a:t>
             </a:fld>
             <a:endParaRPr lang="en-US"/>
           </a:p>
@@ -1726,7 +1727,7 @@
           <a:p>
             <a:fld id="{99DA3316-8CDF-334B-B2E7-0F5EE8E4A790}" type="datetimeFigureOut">
               <a:rPr lang="en-US" smtClean="0"/>
-              <a:t>11/18/18</a:t>
+              <a:t>11/19/18</a:t>
             </a:fld>
             <a:endParaRPr lang="en-US"/>
           </a:p>
@@ -1821,7 +1822,7 @@
           <a:p>
             <a:fld id="{99DA3316-8CDF-334B-B2E7-0F5EE8E4A790}" type="datetimeFigureOut">
               <a:rPr lang="en-US" smtClean="0"/>
-              <a:t>11/18/18</a:t>
+              <a:t>11/19/18</a:t>
             </a:fld>
             <a:endParaRPr lang="en-US"/>
           </a:p>
@@ -2098,7 +2099,7 @@
           <a:p>
             <a:fld id="{99DA3316-8CDF-334B-B2E7-0F5EE8E4A790}" type="datetimeFigureOut">
               <a:rPr lang="en-US" smtClean="0"/>
-              <a:t>11/18/18</a:t>
+              <a:t>11/19/18</a:t>
             </a:fld>
             <a:endParaRPr lang="en-US"/>
           </a:p>
@@ -2351,7 +2352,7 @@
           <a:p>
             <a:fld id="{99DA3316-8CDF-334B-B2E7-0F5EE8E4A790}" type="datetimeFigureOut">
               <a:rPr lang="en-US" smtClean="0"/>
-              <a:t>11/18/18</a:t>
+              <a:t>11/19/18</a:t>
             </a:fld>
             <a:endParaRPr lang="en-US"/>
           </a:p>
@@ -2564,7 +2565,7 @@
           <a:p>
             <a:fld id="{99DA3316-8CDF-334B-B2E7-0F5EE8E4A790}" type="datetimeFigureOut">
               <a:rPr lang="en-US" smtClean="0"/>
-              <a:t>11/18/18</a:t>
+              <a:t>11/19/18</a:t>
             </a:fld>
             <a:endParaRPr lang="en-US"/>
           </a:p>
@@ -2977,6 +2978,1274 @@
         </p:nvSpPr>
         <p:spPr>
           <a:xfrm>
+            <a:off x="5598941" y="3699803"/>
+            <a:ext cx="717452" cy="717452"/>
+          </a:xfrm>
+          <a:prstGeom prst="ellipse">
+            <a:avLst/>
+          </a:prstGeom>
+          <a:noFill/>
+          <a:ln w="25400">
+            <a:solidFill>
+              <a:schemeClr val="tx1"/>
+            </a:solidFill>
+          </a:ln>
+        </p:spPr>
+        <p:style>
+          <a:lnRef idx="2">
+            <a:schemeClr val="accent1">
+              <a:shade val="50000"/>
+            </a:schemeClr>
+          </a:lnRef>
+          <a:fillRef idx="1">
+            <a:schemeClr val="accent1"/>
+          </a:fillRef>
+          <a:effectRef idx="0">
+            <a:schemeClr val="accent1"/>
+          </a:effectRef>
+          <a:fontRef idx="minor">
+            <a:schemeClr val="lt1"/>
+          </a:fontRef>
+        </p:style>
+        <p:txBody>
+          <a:bodyPr rtlCol="0" anchor="ctr"/>
+          <a:lstStyle/>
+          <a:p>
+            <a:pPr algn="ctr"/>
+            <a:endParaRPr lang="en-US" sz="4000" dirty="0">
+              <a:solidFill>
+                <a:schemeClr val="tx1"/>
+              </a:solidFill>
+            </a:endParaRPr>
+          </a:p>
+        </p:txBody>
+      </p:sp>
+      <p:sp>
+        <p:nvSpPr>
+          <p:cNvPr id="3" name="Oval 2"/>
+          <p:cNvSpPr/>
+          <p:nvPr/>
+        </p:nvSpPr>
+        <p:spPr>
+          <a:xfrm>
+            <a:off x="5598941" y="1690800"/>
+            <a:ext cx="717452" cy="717452"/>
+          </a:xfrm>
+          <a:prstGeom prst="ellipse">
+            <a:avLst/>
+          </a:prstGeom>
+          <a:noFill/>
+          <a:ln w="25400">
+            <a:solidFill>
+              <a:schemeClr val="tx1"/>
+            </a:solidFill>
+          </a:ln>
+        </p:spPr>
+        <p:style>
+          <a:lnRef idx="2">
+            <a:schemeClr val="accent1">
+              <a:shade val="50000"/>
+            </a:schemeClr>
+          </a:lnRef>
+          <a:fillRef idx="1">
+            <a:schemeClr val="accent1"/>
+          </a:fillRef>
+          <a:effectRef idx="0">
+            <a:schemeClr val="accent1"/>
+          </a:effectRef>
+          <a:fontRef idx="minor">
+            <a:schemeClr val="lt1"/>
+          </a:fontRef>
+        </p:style>
+        <p:txBody>
+          <a:bodyPr rtlCol="0" anchor="ctr"/>
+          <a:lstStyle/>
+          <a:p>
+            <a:pPr algn="ctr"/>
+            <a:endParaRPr lang="en-US" sz="2000" dirty="0">
+              <a:solidFill>
+                <a:schemeClr val="tx1"/>
+              </a:solidFill>
+            </a:endParaRPr>
+          </a:p>
+        </p:txBody>
+      </p:sp>
+      <p:cxnSp>
+        <p:nvCxnSpPr>
+          <p:cNvPr id="11" name="Straight Arrow Connector 10"/>
+          <p:cNvCxnSpPr>
+            <a:stCxn id="2" idx="0"/>
+            <a:endCxn id="3" idx="4"/>
+          </p:cNvCxnSpPr>
+          <p:nvPr/>
+        </p:nvCxnSpPr>
+        <p:spPr>
+          <a:xfrm flipV="1">
+            <a:off x="5957667" y="2408252"/>
+            <a:ext cx="0" cy="1291551"/>
+          </a:xfrm>
+          <a:prstGeom prst="straightConnector1">
+            <a:avLst/>
+          </a:prstGeom>
+          <a:ln w="31750">
+            <a:solidFill>
+              <a:schemeClr val="tx1"/>
+            </a:solidFill>
+            <a:prstDash val="solid"/>
+            <a:tailEnd type="none" w="lg" len="lg"/>
+          </a:ln>
+        </p:spPr>
+        <p:style>
+          <a:lnRef idx="1">
+            <a:schemeClr val="accent1"/>
+          </a:lnRef>
+          <a:fillRef idx="0">
+            <a:schemeClr val="accent1"/>
+          </a:fillRef>
+          <a:effectRef idx="0">
+            <a:schemeClr val="accent1"/>
+          </a:effectRef>
+          <a:fontRef idx="minor">
+            <a:schemeClr val="tx1"/>
+          </a:fontRef>
+        </p:style>
+      </p:cxnSp>
+      <p:sp>
+        <p:nvSpPr>
+          <p:cNvPr id="22" name="TextBox 21"/>
+          <p:cNvSpPr txBox="1"/>
+          <p:nvPr/>
+        </p:nvSpPr>
+        <p:spPr>
+          <a:xfrm>
+            <a:off x="5782556" y="1818693"/>
+            <a:ext cx="346570" cy="461665"/>
+          </a:xfrm>
+          <a:prstGeom prst="rect">
+            <a:avLst/>
+          </a:prstGeom>
+          <a:noFill/>
+        </p:spPr>
+        <p:txBody>
+          <a:bodyPr wrap="none" rtlCol="0">
+            <a:spAutoFit/>
+          </a:bodyPr>
+          <a:lstStyle/>
+          <a:p>
+            <a:r>
+              <a:rPr lang="en-US" sz="2400" dirty="0" smtClean="0"/>
+              <a:t>n</a:t>
+            </a:r>
+            <a:endParaRPr lang="en-US" sz="2400" dirty="0"/>
+          </a:p>
+        </p:txBody>
+      </p:sp>
+      <p:sp>
+        <p:nvSpPr>
+          <p:cNvPr id="25" name="TextBox 24"/>
+          <p:cNvSpPr txBox="1"/>
+          <p:nvPr/>
+        </p:nvSpPr>
+        <p:spPr>
+          <a:xfrm>
+            <a:off x="5703207" y="3885076"/>
+            <a:ext cx="505267" cy="338554"/>
+          </a:xfrm>
+          <a:prstGeom prst="rect">
+            <a:avLst/>
+          </a:prstGeom>
+          <a:noFill/>
+        </p:spPr>
+        <p:txBody>
+          <a:bodyPr wrap="none" rtlCol="0">
+            <a:spAutoFit/>
+          </a:bodyPr>
+          <a:lstStyle/>
+          <a:p>
+            <a:r>
+              <a:rPr lang="en-US" sz="1600" dirty="0" smtClean="0"/>
+              <a:t>x[n]</a:t>
+            </a:r>
+            <a:endParaRPr lang="en-US" sz="1600" dirty="0"/>
+          </a:p>
+        </p:txBody>
+      </p:sp>
+      <p:sp>
+        <p:nvSpPr>
+          <p:cNvPr id="19" name="Oval 18"/>
+          <p:cNvSpPr/>
+          <p:nvPr/>
+        </p:nvSpPr>
+        <p:spPr>
+          <a:xfrm>
+            <a:off x="6439790" y="2679895"/>
+            <a:ext cx="717452" cy="717452"/>
+          </a:xfrm>
+          <a:prstGeom prst="ellipse">
+            <a:avLst/>
+          </a:prstGeom>
+          <a:noFill/>
+          <a:ln w="25400">
+            <a:solidFill>
+              <a:schemeClr val="tx1"/>
+            </a:solidFill>
+          </a:ln>
+        </p:spPr>
+        <p:style>
+          <a:lnRef idx="2">
+            <a:schemeClr val="accent1">
+              <a:shade val="50000"/>
+            </a:schemeClr>
+          </a:lnRef>
+          <a:fillRef idx="1">
+            <a:schemeClr val="accent1"/>
+          </a:fillRef>
+          <a:effectRef idx="0">
+            <a:schemeClr val="accent1"/>
+          </a:effectRef>
+          <a:fontRef idx="minor">
+            <a:schemeClr val="lt1"/>
+          </a:fontRef>
+        </p:style>
+        <p:txBody>
+          <a:bodyPr rtlCol="0" anchor="ctr"/>
+          <a:lstStyle/>
+          <a:p>
+            <a:pPr algn="ctr"/>
+            <a:endParaRPr lang="en-US" sz="2000" dirty="0">
+              <a:solidFill>
+                <a:schemeClr val="tx1"/>
+              </a:solidFill>
+            </a:endParaRPr>
+          </a:p>
+        </p:txBody>
+      </p:sp>
+      <p:sp>
+        <p:nvSpPr>
+          <p:cNvPr id="7" name="TextBox 6"/>
+          <p:cNvSpPr txBox="1"/>
+          <p:nvPr/>
+        </p:nvSpPr>
+        <p:spPr>
+          <a:xfrm>
+            <a:off x="6439790" y="2853955"/>
+            <a:ext cx="1139483" cy="338554"/>
+          </a:xfrm>
+          <a:prstGeom prst="rect">
+            <a:avLst/>
+          </a:prstGeom>
+          <a:noFill/>
+        </p:spPr>
+        <p:txBody>
+          <a:bodyPr wrap="square" rtlCol="0">
+            <a:spAutoFit/>
+          </a:bodyPr>
+          <a:lstStyle/>
+          <a:p>
+            <a:r>
+              <a:rPr lang="en-US" sz="1600" dirty="0"/>
+              <a:t>a</a:t>
+            </a:r>
+            <a:r>
+              <a:rPr lang="en-US" sz="1600" dirty="0" smtClean="0"/>
+              <a:t>, </a:t>
+            </a:r>
+            <a:r>
+              <a:rPr lang="el-GR" sz="1600" dirty="0" smtClean="0"/>
+              <a:t>ω</a:t>
+            </a:r>
+            <a:r>
+              <a:rPr lang="en-US" sz="1600" dirty="0" smtClean="0"/>
+              <a:t>, </a:t>
+            </a:r>
+            <a:r>
+              <a:rPr lang="el-GR" sz="1600" dirty="0" smtClean="0"/>
+              <a:t>φ </a:t>
+            </a:r>
+            <a:r>
+              <a:rPr lang="en-US" sz="1600" dirty="0" smtClean="0"/>
+              <a:t> </a:t>
+            </a:r>
+            <a:endParaRPr lang="en-US" sz="1600" dirty="0"/>
+          </a:p>
+        </p:txBody>
+      </p:sp>
+      <p:cxnSp>
+        <p:nvCxnSpPr>
+          <p:cNvPr id="21" name="Straight Arrow Connector 20"/>
+          <p:cNvCxnSpPr>
+            <a:stCxn id="2" idx="7"/>
+            <a:endCxn id="19" idx="3"/>
+          </p:cNvCxnSpPr>
+          <p:nvPr/>
+        </p:nvCxnSpPr>
+        <p:spPr>
+          <a:xfrm flipV="1">
+            <a:off x="6211325" y="3292279"/>
+            <a:ext cx="333533" cy="512592"/>
+          </a:xfrm>
+          <a:prstGeom prst="straightConnector1">
+            <a:avLst/>
+          </a:prstGeom>
+          <a:ln w="31750">
+            <a:solidFill>
+              <a:schemeClr val="tx1"/>
+            </a:solidFill>
+            <a:prstDash val="solid"/>
+            <a:tailEnd type="none" w="lg" len="lg"/>
+          </a:ln>
+        </p:spPr>
+        <p:style>
+          <a:lnRef idx="1">
+            <a:schemeClr val="accent1"/>
+          </a:lnRef>
+          <a:fillRef idx="0">
+            <a:schemeClr val="accent1"/>
+          </a:fillRef>
+          <a:effectRef idx="0">
+            <a:schemeClr val="accent1"/>
+          </a:effectRef>
+          <a:fontRef idx="minor">
+            <a:schemeClr val="tx1"/>
+          </a:fontRef>
+        </p:style>
+      </p:cxnSp>
+      <p:sp>
+        <p:nvSpPr>
+          <p:cNvPr id="29" name="Oval 28"/>
+          <p:cNvSpPr/>
+          <p:nvPr/>
+        </p:nvSpPr>
+        <p:spPr>
+          <a:xfrm>
+            <a:off x="7390750" y="3699803"/>
+            <a:ext cx="717452" cy="717452"/>
+          </a:xfrm>
+          <a:prstGeom prst="ellipse">
+            <a:avLst/>
+          </a:prstGeom>
+          <a:noFill/>
+          <a:ln w="25400">
+            <a:solidFill>
+              <a:schemeClr val="tx1"/>
+            </a:solidFill>
+          </a:ln>
+        </p:spPr>
+        <p:style>
+          <a:lnRef idx="2">
+            <a:schemeClr val="accent1">
+              <a:shade val="50000"/>
+            </a:schemeClr>
+          </a:lnRef>
+          <a:fillRef idx="1">
+            <a:schemeClr val="accent1"/>
+          </a:fillRef>
+          <a:effectRef idx="0">
+            <a:schemeClr val="accent1"/>
+          </a:effectRef>
+          <a:fontRef idx="minor">
+            <a:schemeClr val="lt1"/>
+          </a:fontRef>
+        </p:style>
+        <p:txBody>
+          <a:bodyPr rtlCol="0" anchor="ctr"/>
+          <a:lstStyle/>
+          <a:p>
+            <a:pPr algn="ctr"/>
+            <a:endParaRPr lang="en-US" sz="4000" dirty="0">
+              <a:solidFill>
+                <a:schemeClr val="tx1"/>
+              </a:solidFill>
+            </a:endParaRPr>
+          </a:p>
+        </p:txBody>
+      </p:sp>
+      <p:sp>
+        <p:nvSpPr>
+          <p:cNvPr id="30" name="Oval 29"/>
+          <p:cNvSpPr/>
+          <p:nvPr/>
+        </p:nvSpPr>
+        <p:spPr>
+          <a:xfrm>
+            <a:off x="7390750" y="1690800"/>
+            <a:ext cx="717452" cy="717452"/>
+          </a:xfrm>
+          <a:prstGeom prst="ellipse">
+            <a:avLst/>
+          </a:prstGeom>
+          <a:noFill/>
+          <a:ln w="25400">
+            <a:solidFill>
+              <a:schemeClr val="tx1"/>
+            </a:solidFill>
+          </a:ln>
+        </p:spPr>
+        <p:style>
+          <a:lnRef idx="2">
+            <a:schemeClr val="accent1">
+              <a:shade val="50000"/>
+            </a:schemeClr>
+          </a:lnRef>
+          <a:fillRef idx="1">
+            <a:schemeClr val="accent1"/>
+          </a:fillRef>
+          <a:effectRef idx="0">
+            <a:schemeClr val="accent1"/>
+          </a:effectRef>
+          <a:fontRef idx="minor">
+            <a:schemeClr val="lt1"/>
+          </a:fontRef>
+        </p:style>
+        <p:txBody>
+          <a:bodyPr rtlCol="0" anchor="ctr"/>
+          <a:lstStyle/>
+          <a:p>
+            <a:pPr algn="ctr"/>
+            <a:endParaRPr lang="en-US" sz="2000" dirty="0">
+              <a:solidFill>
+                <a:schemeClr val="tx1"/>
+              </a:solidFill>
+            </a:endParaRPr>
+          </a:p>
+        </p:txBody>
+      </p:sp>
+      <p:cxnSp>
+        <p:nvCxnSpPr>
+          <p:cNvPr id="31" name="Straight Arrow Connector 30"/>
+          <p:cNvCxnSpPr>
+            <a:stCxn id="29" idx="0"/>
+            <a:endCxn id="30" idx="4"/>
+          </p:cNvCxnSpPr>
+          <p:nvPr/>
+        </p:nvCxnSpPr>
+        <p:spPr>
+          <a:xfrm flipV="1">
+            <a:off x="7749476" y="2408252"/>
+            <a:ext cx="0" cy="1291551"/>
+          </a:xfrm>
+          <a:prstGeom prst="straightConnector1">
+            <a:avLst/>
+          </a:prstGeom>
+          <a:ln w="31750">
+            <a:solidFill>
+              <a:schemeClr val="tx1"/>
+            </a:solidFill>
+            <a:prstDash val="solid"/>
+            <a:tailEnd type="none" w="lg" len="lg"/>
+          </a:ln>
+        </p:spPr>
+        <p:style>
+          <a:lnRef idx="1">
+            <a:schemeClr val="accent1"/>
+          </a:lnRef>
+          <a:fillRef idx="0">
+            <a:schemeClr val="accent1"/>
+          </a:fillRef>
+          <a:effectRef idx="0">
+            <a:schemeClr val="accent1"/>
+          </a:effectRef>
+          <a:fontRef idx="minor">
+            <a:schemeClr val="tx1"/>
+          </a:fontRef>
+        </p:style>
+      </p:cxnSp>
+      <p:sp>
+        <p:nvSpPr>
+          <p:cNvPr id="32" name="TextBox 31"/>
+          <p:cNvSpPr txBox="1"/>
+          <p:nvPr/>
+        </p:nvSpPr>
+        <p:spPr>
+          <a:xfrm>
+            <a:off x="7444774" y="1808391"/>
+            <a:ext cx="655949" cy="461665"/>
+          </a:xfrm>
+          <a:prstGeom prst="rect">
+            <a:avLst/>
+          </a:prstGeom>
+          <a:noFill/>
+        </p:spPr>
+        <p:txBody>
+          <a:bodyPr wrap="none" rtlCol="0">
+            <a:spAutoFit/>
+          </a:bodyPr>
+          <a:lstStyle/>
+          <a:p>
+            <a:r>
+              <a:rPr lang="en-US" sz="2400" smtClean="0"/>
+              <a:t>n+1</a:t>
+            </a:r>
+            <a:endParaRPr lang="en-US" sz="2400" dirty="0"/>
+          </a:p>
+        </p:txBody>
+      </p:sp>
+      <p:sp>
+        <p:nvSpPr>
+          <p:cNvPr id="33" name="TextBox 32"/>
+          <p:cNvSpPr txBox="1"/>
+          <p:nvPr/>
+        </p:nvSpPr>
+        <p:spPr>
+          <a:xfrm>
+            <a:off x="7396148" y="3885076"/>
+            <a:ext cx="712054" cy="338554"/>
+          </a:xfrm>
+          <a:prstGeom prst="rect">
+            <a:avLst/>
+          </a:prstGeom>
+          <a:noFill/>
+        </p:spPr>
+        <p:txBody>
+          <a:bodyPr wrap="none" rtlCol="0">
+            <a:spAutoFit/>
+          </a:bodyPr>
+          <a:lstStyle/>
+          <a:p>
+            <a:r>
+              <a:rPr lang="en-US" sz="1600" smtClean="0"/>
+              <a:t>x[n+1]</a:t>
+            </a:r>
+            <a:endParaRPr lang="en-US" sz="1600" dirty="0"/>
+          </a:p>
+        </p:txBody>
+      </p:sp>
+      <p:sp>
+        <p:nvSpPr>
+          <p:cNvPr id="34" name="Oval 33"/>
+          <p:cNvSpPr/>
+          <p:nvPr/>
+        </p:nvSpPr>
+        <p:spPr>
+          <a:xfrm>
+            <a:off x="8231599" y="2679895"/>
+            <a:ext cx="717452" cy="717452"/>
+          </a:xfrm>
+          <a:prstGeom prst="ellipse">
+            <a:avLst/>
+          </a:prstGeom>
+          <a:noFill/>
+          <a:ln w="25400">
+            <a:solidFill>
+              <a:schemeClr val="tx1"/>
+            </a:solidFill>
+          </a:ln>
+        </p:spPr>
+        <p:style>
+          <a:lnRef idx="2">
+            <a:schemeClr val="accent1">
+              <a:shade val="50000"/>
+            </a:schemeClr>
+          </a:lnRef>
+          <a:fillRef idx="1">
+            <a:schemeClr val="accent1"/>
+          </a:fillRef>
+          <a:effectRef idx="0">
+            <a:schemeClr val="accent1"/>
+          </a:effectRef>
+          <a:fontRef idx="minor">
+            <a:schemeClr val="lt1"/>
+          </a:fontRef>
+        </p:style>
+        <p:txBody>
+          <a:bodyPr rtlCol="0" anchor="ctr"/>
+          <a:lstStyle/>
+          <a:p>
+            <a:pPr algn="ctr"/>
+            <a:endParaRPr lang="en-US" sz="2000" dirty="0">
+              <a:solidFill>
+                <a:schemeClr val="tx1"/>
+              </a:solidFill>
+            </a:endParaRPr>
+          </a:p>
+        </p:txBody>
+      </p:sp>
+      <p:cxnSp>
+        <p:nvCxnSpPr>
+          <p:cNvPr id="35" name="Straight Arrow Connector 34"/>
+          <p:cNvCxnSpPr>
+            <a:stCxn id="29" idx="7"/>
+            <a:endCxn id="34" idx="3"/>
+          </p:cNvCxnSpPr>
+          <p:nvPr/>
+        </p:nvCxnSpPr>
+        <p:spPr>
+          <a:xfrm flipV="1">
+            <a:off x="8003134" y="3292279"/>
+            <a:ext cx="333533" cy="512592"/>
+          </a:xfrm>
+          <a:prstGeom prst="straightConnector1">
+            <a:avLst/>
+          </a:prstGeom>
+          <a:ln w="31750">
+            <a:solidFill>
+              <a:schemeClr val="tx1"/>
+            </a:solidFill>
+            <a:prstDash val="solid"/>
+            <a:tailEnd type="none" w="lg" len="lg"/>
+          </a:ln>
+        </p:spPr>
+        <p:style>
+          <a:lnRef idx="1">
+            <a:schemeClr val="accent1"/>
+          </a:lnRef>
+          <a:fillRef idx="0">
+            <a:schemeClr val="accent1"/>
+          </a:fillRef>
+          <a:effectRef idx="0">
+            <a:schemeClr val="accent1"/>
+          </a:effectRef>
+          <a:fontRef idx="minor">
+            <a:schemeClr val="tx1"/>
+          </a:fontRef>
+        </p:style>
+      </p:cxnSp>
+      <p:sp>
+        <p:nvSpPr>
+          <p:cNvPr id="36" name="Oval 35"/>
+          <p:cNvSpPr/>
+          <p:nvPr/>
+        </p:nvSpPr>
+        <p:spPr>
+          <a:xfrm>
+            <a:off x="3743396" y="3699803"/>
+            <a:ext cx="717452" cy="717452"/>
+          </a:xfrm>
+          <a:prstGeom prst="ellipse">
+            <a:avLst/>
+          </a:prstGeom>
+          <a:noFill/>
+          <a:ln w="25400">
+            <a:solidFill>
+              <a:schemeClr val="tx1"/>
+            </a:solidFill>
+          </a:ln>
+        </p:spPr>
+        <p:style>
+          <a:lnRef idx="2">
+            <a:schemeClr val="accent1">
+              <a:shade val="50000"/>
+            </a:schemeClr>
+          </a:lnRef>
+          <a:fillRef idx="1">
+            <a:schemeClr val="accent1"/>
+          </a:fillRef>
+          <a:effectRef idx="0">
+            <a:schemeClr val="accent1"/>
+          </a:effectRef>
+          <a:fontRef idx="minor">
+            <a:schemeClr val="lt1"/>
+          </a:fontRef>
+        </p:style>
+        <p:txBody>
+          <a:bodyPr rtlCol="0" anchor="ctr"/>
+          <a:lstStyle/>
+          <a:p>
+            <a:pPr algn="ctr"/>
+            <a:endParaRPr lang="en-US" sz="4000" dirty="0">
+              <a:solidFill>
+                <a:schemeClr val="tx1"/>
+              </a:solidFill>
+            </a:endParaRPr>
+          </a:p>
+        </p:txBody>
+      </p:sp>
+      <p:sp>
+        <p:nvSpPr>
+          <p:cNvPr id="37" name="Oval 36"/>
+          <p:cNvSpPr/>
+          <p:nvPr/>
+        </p:nvSpPr>
+        <p:spPr>
+          <a:xfrm>
+            <a:off x="3743396" y="1690800"/>
+            <a:ext cx="717452" cy="717452"/>
+          </a:xfrm>
+          <a:prstGeom prst="ellipse">
+            <a:avLst/>
+          </a:prstGeom>
+          <a:noFill/>
+          <a:ln w="25400">
+            <a:solidFill>
+              <a:schemeClr val="tx1"/>
+            </a:solidFill>
+          </a:ln>
+        </p:spPr>
+        <p:style>
+          <a:lnRef idx="2">
+            <a:schemeClr val="accent1">
+              <a:shade val="50000"/>
+            </a:schemeClr>
+          </a:lnRef>
+          <a:fillRef idx="1">
+            <a:schemeClr val="accent1"/>
+          </a:fillRef>
+          <a:effectRef idx="0">
+            <a:schemeClr val="accent1"/>
+          </a:effectRef>
+          <a:fontRef idx="minor">
+            <a:schemeClr val="lt1"/>
+          </a:fontRef>
+        </p:style>
+        <p:txBody>
+          <a:bodyPr rtlCol="0" anchor="ctr"/>
+          <a:lstStyle/>
+          <a:p>
+            <a:pPr algn="ctr"/>
+            <a:endParaRPr lang="en-US" sz="2000" dirty="0">
+              <a:solidFill>
+                <a:schemeClr val="tx1"/>
+              </a:solidFill>
+            </a:endParaRPr>
+          </a:p>
+        </p:txBody>
+      </p:sp>
+      <p:cxnSp>
+        <p:nvCxnSpPr>
+          <p:cNvPr id="38" name="Straight Arrow Connector 37"/>
+          <p:cNvCxnSpPr>
+            <a:stCxn id="36" idx="0"/>
+            <a:endCxn id="37" idx="4"/>
+          </p:cNvCxnSpPr>
+          <p:nvPr/>
+        </p:nvCxnSpPr>
+        <p:spPr>
+          <a:xfrm flipV="1">
+            <a:off x="4102122" y="2408252"/>
+            <a:ext cx="0" cy="1291551"/>
+          </a:xfrm>
+          <a:prstGeom prst="straightConnector1">
+            <a:avLst/>
+          </a:prstGeom>
+          <a:ln w="31750">
+            <a:solidFill>
+              <a:schemeClr val="tx1"/>
+            </a:solidFill>
+            <a:prstDash val="solid"/>
+            <a:tailEnd type="none" w="lg" len="lg"/>
+          </a:ln>
+        </p:spPr>
+        <p:style>
+          <a:lnRef idx="1">
+            <a:schemeClr val="accent1"/>
+          </a:lnRef>
+          <a:fillRef idx="0">
+            <a:schemeClr val="accent1"/>
+          </a:fillRef>
+          <a:effectRef idx="0">
+            <a:schemeClr val="accent1"/>
+          </a:effectRef>
+          <a:fontRef idx="minor">
+            <a:schemeClr val="tx1"/>
+          </a:fontRef>
+        </p:style>
+      </p:cxnSp>
+      <p:sp>
+        <p:nvSpPr>
+          <p:cNvPr id="40" name="TextBox 39"/>
+          <p:cNvSpPr txBox="1"/>
+          <p:nvPr/>
+        </p:nvSpPr>
+        <p:spPr>
+          <a:xfrm>
+            <a:off x="3781217" y="1818693"/>
+            <a:ext cx="840849" cy="461665"/>
+          </a:xfrm>
+          <a:prstGeom prst="rect">
+            <a:avLst/>
+          </a:prstGeom>
+          <a:noFill/>
+        </p:spPr>
+        <p:txBody>
+          <a:bodyPr wrap="square" rtlCol="0">
+            <a:spAutoFit/>
+          </a:bodyPr>
+          <a:lstStyle/>
+          <a:p>
+            <a:r>
+              <a:rPr lang="en-US" sz="2400" dirty="0" smtClean="0"/>
+              <a:t>n-1</a:t>
+            </a:r>
+            <a:endParaRPr lang="en-US" sz="2400" dirty="0"/>
+          </a:p>
+        </p:txBody>
+      </p:sp>
+      <p:sp>
+        <p:nvSpPr>
+          <p:cNvPr id="41" name="TextBox 40"/>
+          <p:cNvSpPr txBox="1"/>
+          <p:nvPr/>
+        </p:nvSpPr>
+        <p:spPr>
+          <a:xfrm>
+            <a:off x="3788869" y="3885076"/>
+            <a:ext cx="671979" cy="338554"/>
+          </a:xfrm>
+          <a:prstGeom prst="rect">
+            <a:avLst/>
+          </a:prstGeom>
+          <a:noFill/>
+        </p:spPr>
+        <p:txBody>
+          <a:bodyPr wrap="square" rtlCol="0">
+            <a:spAutoFit/>
+          </a:bodyPr>
+          <a:lstStyle/>
+          <a:p>
+            <a:r>
+              <a:rPr lang="en-US" sz="1600" dirty="0" smtClean="0"/>
+              <a:t>x[n-1]</a:t>
+            </a:r>
+            <a:endParaRPr lang="en-US" sz="1600" dirty="0"/>
+          </a:p>
+        </p:txBody>
+      </p:sp>
+      <p:sp>
+        <p:nvSpPr>
+          <p:cNvPr id="42" name="Oval 41"/>
+          <p:cNvSpPr/>
+          <p:nvPr/>
+        </p:nvSpPr>
+        <p:spPr>
+          <a:xfrm>
+            <a:off x="4584245" y="2679895"/>
+            <a:ext cx="717452" cy="717452"/>
+          </a:xfrm>
+          <a:prstGeom prst="ellipse">
+            <a:avLst/>
+          </a:prstGeom>
+          <a:noFill/>
+          <a:ln w="25400">
+            <a:solidFill>
+              <a:schemeClr val="tx1"/>
+            </a:solidFill>
+          </a:ln>
+        </p:spPr>
+        <p:style>
+          <a:lnRef idx="2">
+            <a:schemeClr val="accent1">
+              <a:shade val="50000"/>
+            </a:schemeClr>
+          </a:lnRef>
+          <a:fillRef idx="1">
+            <a:schemeClr val="accent1"/>
+          </a:fillRef>
+          <a:effectRef idx="0">
+            <a:schemeClr val="accent1"/>
+          </a:effectRef>
+          <a:fontRef idx="minor">
+            <a:schemeClr val="lt1"/>
+          </a:fontRef>
+        </p:style>
+        <p:txBody>
+          <a:bodyPr rtlCol="0" anchor="ctr"/>
+          <a:lstStyle/>
+          <a:p>
+            <a:pPr algn="ctr"/>
+            <a:endParaRPr lang="en-US" sz="2000" dirty="0">
+              <a:solidFill>
+                <a:schemeClr val="tx1"/>
+              </a:solidFill>
+            </a:endParaRPr>
+          </a:p>
+        </p:txBody>
+      </p:sp>
+      <p:cxnSp>
+        <p:nvCxnSpPr>
+          <p:cNvPr id="44" name="Straight Arrow Connector 43"/>
+          <p:cNvCxnSpPr>
+            <a:stCxn id="36" idx="7"/>
+            <a:endCxn id="42" idx="3"/>
+          </p:cNvCxnSpPr>
+          <p:nvPr/>
+        </p:nvCxnSpPr>
+        <p:spPr>
+          <a:xfrm flipV="1">
+            <a:off x="4355780" y="3292279"/>
+            <a:ext cx="333533" cy="512592"/>
+          </a:xfrm>
+          <a:prstGeom prst="straightConnector1">
+            <a:avLst/>
+          </a:prstGeom>
+          <a:ln w="31750">
+            <a:solidFill>
+              <a:schemeClr val="tx1"/>
+            </a:solidFill>
+            <a:prstDash val="solid"/>
+            <a:tailEnd type="none" w="lg" len="lg"/>
+          </a:ln>
+        </p:spPr>
+        <p:style>
+          <a:lnRef idx="1">
+            <a:schemeClr val="accent1"/>
+          </a:lnRef>
+          <a:fillRef idx="0">
+            <a:schemeClr val="accent1"/>
+          </a:fillRef>
+          <a:effectRef idx="0">
+            <a:schemeClr val="accent1"/>
+          </a:effectRef>
+          <a:fontRef idx="minor">
+            <a:schemeClr val="tx1"/>
+          </a:fontRef>
+        </p:style>
+      </p:cxnSp>
+      <p:sp>
+        <p:nvSpPr>
+          <p:cNvPr id="46" name="TextBox 45"/>
+          <p:cNvSpPr txBox="1"/>
+          <p:nvPr/>
+        </p:nvSpPr>
+        <p:spPr>
+          <a:xfrm>
+            <a:off x="4582979" y="2853955"/>
+            <a:ext cx="1139483" cy="338554"/>
+          </a:xfrm>
+          <a:prstGeom prst="rect">
+            <a:avLst/>
+          </a:prstGeom>
+          <a:noFill/>
+        </p:spPr>
+        <p:txBody>
+          <a:bodyPr wrap="square" rtlCol="0">
+            <a:spAutoFit/>
+          </a:bodyPr>
+          <a:lstStyle/>
+          <a:p>
+            <a:r>
+              <a:rPr lang="en-US" sz="1600" dirty="0"/>
+              <a:t>a</a:t>
+            </a:r>
+            <a:r>
+              <a:rPr lang="en-US" sz="1600" dirty="0" smtClean="0"/>
+              <a:t>, </a:t>
+            </a:r>
+            <a:r>
+              <a:rPr lang="el-GR" sz="1600" dirty="0" smtClean="0"/>
+              <a:t>ω</a:t>
+            </a:r>
+            <a:r>
+              <a:rPr lang="en-US" sz="1600" dirty="0" smtClean="0"/>
+              <a:t>, </a:t>
+            </a:r>
+            <a:r>
+              <a:rPr lang="el-GR" sz="1600" dirty="0" smtClean="0"/>
+              <a:t>φ </a:t>
+            </a:r>
+            <a:r>
+              <a:rPr lang="en-US" sz="1600" dirty="0" smtClean="0"/>
+              <a:t> </a:t>
+            </a:r>
+            <a:endParaRPr lang="en-US" sz="1600" dirty="0"/>
+          </a:p>
+        </p:txBody>
+      </p:sp>
+      <p:sp>
+        <p:nvSpPr>
+          <p:cNvPr id="47" name="TextBox 46"/>
+          <p:cNvSpPr txBox="1"/>
+          <p:nvPr/>
+        </p:nvSpPr>
+        <p:spPr>
+          <a:xfrm>
+            <a:off x="8245834" y="2853955"/>
+            <a:ext cx="1139483" cy="338554"/>
+          </a:xfrm>
+          <a:prstGeom prst="rect">
+            <a:avLst/>
+          </a:prstGeom>
+          <a:noFill/>
+        </p:spPr>
+        <p:txBody>
+          <a:bodyPr wrap="square" rtlCol="0">
+            <a:spAutoFit/>
+          </a:bodyPr>
+          <a:lstStyle/>
+          <a:p>
+            <a:r>
+              <a:rPr lang="en-US" sz="1600" dirty="0"/>
+              <a:t>a</a:t>
+            </a:r>
+            <a:r>
+              <a:rPr lang="en-US" sz="1600" dirty="0" smtClean="0"/>
+              <a:t>, </a:t>
+            </a:r>
+            <a:r>
+              <a:rPr lang="el-GR" sz="1600" dirty="0" smtClean="0"/>
+              <a:t>ω</a:t>
+            </a:r>
+            <a:r>
+              <a:rPr lang="en-US" sz="1600" dirty="0" smtClean="0"/>
+              <a:t>, </a:t>
+            </a:r>
+            <a:r>
+              <a:rPr lang="el-GR" sz="1600" dirty="0" smtClean="0"/>
+              <a:t>φ </a:t>
+            </a:r>
+            <a:r>
+              <a:rPr lang="en-US" sz="1600" dirty="0" smtClean="0"/>
+              <a:t> </a:t>
+            </a:r>
+            <a:endParaRPr lang="en-US" sz="1600" dirty="0"/>
+          </a:p>
+        </p:txBody>
+      </p:sp>
+      <p:cxnSp>
+        <p:nvCxnSpPr>
+          <p:cNvPr id="51" name="Straight Arrow Connector 50"/>
+          <p:cNvCxnSpPr>
+            <a:stCxn id="37" idx="6"/>
+            <a:endCxn id="3" idx="2"/>
+          </p:cNvCxnSpPr>
+          <p:nvPr/>
+        </p:nvCxnSpPr>
+        <p:spPr>
+          <a:xfrm>
+            <a:off x="4460848" y="2049526"/>
+            <a:ext cx="1138093" cy="0"/>
+          </a:xfrm>
+          <a:prstGeom prst="straightConnector1">
+            <a:avLst/>
+          </a:prstGeom>
+          <a:ln w="31750">
+            <a:solidFill>
+              <a:schemeClr val="tx1"/>
+            </a:solidFill>
+            <a:prstDash val="solid"/>
+            <a:tailEnd type="none" w="lg" len="lg"/>
+          </a:ln>
+        </p:spPr>
+        <p:style>
+          <a:lnRef idx="1">
+            <a:schemeClr val="accent1"/>
+          </a:lnRef>
+          <a:fillRef idx="0">
+            <a:schemeClr val="accent1"/>
+          </a:fillRef>
+          <a:effectRef idx="0">
+            <a:schemeClr val="accent1"/>
+          </a:effectRef>
+          <a:fontRef idx="minor">
+            <a:schemeClr val="tx1"/>
+          </a:fontRef>
+        </p:style>
+      </p:cxnSp>
+      <p:cxnSp>
+        <p:nvCxnSpPr>
+          <p:cNvPr id="52" name="Straight Arrow Connector 51"/>
+          <p:cNvCxnSpPr>
+            <a:stCxn id="30" idx="2"/>
+            <a:endCxn id="3" idx="6"/>
+          </p:cNvCxnSpPr>
+          <p:nvPr/>
+        </p:nvCxnSpPr>
+        <p:spPr>
+          <a:xfrm flipH="1">
+            <a:off x="6316393" y="2049526"/>
+            <a:ext cx="1074357" cy="0"/>
+          </a:xfrm>
+          <a:prstGeom prst="straightConnector1">
+            <a:avLst/>
+          </a:prstGeom>
+          <a:ln w="31750">
+            <a:solidFill>
+              <a:schemeClr val="tx1"/>
+            </a:solidFill>
+            <a:prstDash val="solid"/>
+            <a:tailEnd type="none" w="lg" len="lg"/>
+          </a:ln>
+        </p:spPr>
+        <p:style>
+          <a:lnRef idx="1">
+            <a:schemeClr val="accent1"/>
+          </a:lnRef>
+          <a:fillRef idx="0">
+            <a:schemeClr val="accent1"/>
+          </a:fillRef>
+          <a:effectRef idx="0">
+            <a:schemeClr val="accent1"/>
+          </a:effectRef>
+          <a:fontRef idx="minor">
+            <a:schemeClr val="tx1"/>
+          </a:fontRef>
+        </p:style>
+      </p:cxnSp>
+      <p:cxnSp>
+        <p:nvCxnSpPr>
+          <p:cNvPr id="64" name="Straight Arrow Connector 63"/>
+          <p:cNvCxnSpPr>
+            <a:endCxn id="37" idx="2"/>
+          </p:cNvCxnSpPr>
+          <p:nvPr/>
+        </p:nvCxnSpPr>
+        <p:spPr>
+          <a:xfrm>
+            <a:off x="3168819" y="2049525"/>
+            <a:ext cx="574577" cy="1"/>
+          </a:xfrm>
+          <a:prstGeom prst="straightConnector1">
+            <a:avLst/>
+          </a:prstGeom>
+          <a:ln w="31750">
+            <a:solidFill>
+              <a:schemeClr val="tx1"/>
+            </a:solidFill>
+            <a:prstDash val="solid"/>
+            <a:tailEnd type="none" w="lg" len="lg"/>
+          </a:ln>
+        </p:spPr>
+        <p:style>
+          <a:lnRef idx="1">
+            <a:schemeClr val="accent1"/>
+          </a:lnRef>
+          <a:fillRef idx="0">
+            <a:schemeClr val="accent1"/>
+          </a:fillRef>
+          <a:effectRef idx="0">
+            <a:schemeClr val="accent1"/>
+          </a:effectRef>
+          <a:fontRef idx="minor">
+            <a:schemeClr val="tx1"/>
+          </a:fontRef>
+        </p:style>
+      </p:cxnSp>
+      <p:cxnSp>
+        <p:nvCxnSpPr>
+          <p:cNvPr id="67" name="Straight Arrow Connector 66"/>
+          <p:cNvCxnSpPr>
+            <a:stCxn id="30" idx="6"/>
+          </p:cNvCxnSpPr>
+          <p:nvPr/>
+        </p:nvCxnSpPr>
+        <p:spPr>
+          <a:xfrm flipV="1">
+            <a:off x="8108202" y="2049525"/>
+            <a:ext cx="840849" cy="1"/>
+          </a:xfrm>
+          <a:prstGeom prst="straightConnector1">
+            <a:avLst/>
+          </a:prstGeom>
+          <a:ln w="31750">
+            <a:solidFill>
+              <a:schemeClr val="tx1"/>
+            </a:solidFill>
+            <a:prstDash val="solid"/>
+            <a:tailEnd type="none" w="lg" len="lg"/>
+          </a:ln>
+        </p:spPr>
+        <p:style>
+          <a:lnRef idx="1">
+            <a:schemeClr val="accent1"/>
+          </a:lnRef>
+          <a:fillRef idx="0">
+            <a:schemeClr val="accent1"/>
+          </a:fillRef>
+          <a:effectRef idx="0">
+            <a:schemeClr val="accent1"/>
+          </a:effectRef>
+          <a:fontRef idx="minor">
+            <a:schemeClr val="tx1"/>
+          </a:fontRef>
+        </p:style>
+      </p:cxnSp>
+      <p:sp>
+        <p:nvSpPr>
+          <p:cNvPr id="71" name="TextBox 70"/>
+          <p:cNvSpPr txBox="1"/>
+          <p:nvPr/>
+        </p:nvSpPr>
+        <p:spPr>
+          <a:xfrm>
+            <a:off x="2373540" y="1608217"/>
+            <a:ext cx="503664" cy="646331"/>
+          </a:xfrm>
+          <a:prstGeom prst="rect">
+            <a:avLst/>
+          </a:prstGeom>
+          <a:noFill/>
+        </p:spPr>
+        <p:txBody>
+          <a:bodyPr wrap="none" rtlCol="0">
+            <a:spAutoFit/>
+          </a:bodyPr>
+          <a:lstStyle/>
+          <a:p>
+            <a:r>
+              <a:rPr lang="mr-IN" sz="3600" dirty="0" smtClean="0"/>
+              <a:t>…</a:t>
+            </a:r>
+            <a:endParaRPr lang="en-US" sz="3600" dirty="0"/>
+          </a:p>
+        </p:txBody>
+      </p:sp>
+      <p:sp>
+        <p:nvSpPr>
+          <p:cNvPr id="72" name="TextBox 71"/>
+          <p:cNvSpPr txBox="1"/>
+          <p:nvPr/>
+        </p:nvSpPr>
+        <p:spPr>
+          <a:xfrm>
+            <a:off x="9189016" y="1634026"/>
+            <a:ext cx="503664" cy="646331"/>
+          </a:xfrm>
+          <a:prstGeom prst="rect">
+            <a:avLst/>
+          </a:prstGeom>
+          <a:noFill/>
+        </p:spPr>
+        <p:txBody>
+          <a:bodyPr wrap="none" rtlCol="0">
+            <a:spAutoFit/>
+          </a:bodyPr>
+          <a:lstStyle/>
+          <a:p>
+            <a:r>
+              <a:rPr lang="mr-IN" sz="3600" dirty="0" smtClean="0"/>
+              <a:t>…</a:t>
+            </a:r>
+            <a:endParaRPr lang="en-US" sz="3600" dirty="0"/>
+          </a:p>
+        </p:txBody>
+      </p:sp>
+    </p:spTree>
+    <p:extLst>
+      <p:ext uri="{BB962C8B-B14F-4D97-AF65-F5344CB8AC3E}">
+        <p14:creationId xmlns:p14="http://schemas.microsoft.com/office/powerpoint/2010/main" val="713849625"/>
+      </p:ext>
+    </p:extLst>
+  </p:cSld>
+  <p:clrMapOvr>
+    <a:masterClrMapping/>
+  </p:clrMapOvr>
+</p:sld>
+</file>
+
+<file path=ppt/slides/slide2.xml><?xml version="1.0" encoding="utf-8"?>
+<p:sld xmlns:a="http://schemas.openxmlformats.org/drawingml/2006/main" xmlns:r="http://schemas.openxmlformats.org/officeDocument/2006/relationships" xmlns:p="http://schemas.openxmlformats.org/presentationml/2006/main">
+  <p:cSld>
+    <p:spTree>
+      <p:nvGrpSpPr>
+        <p:cNvPr id="1" name=""/>
+        <p:cNvGrpSpPr/>
+        <p:nvPr/>
+      </p:nvGrpSpPr>
+      <p:grpSpPr>
+        <a:xfrm>
+          <a:off x="0" y="0"/>
+          <a:ext cx="0" cy="0"/>
+          <a:chOff x="0" y="0"/>
+          <a:chExt cx="0" cy="0"/>
+        </a:xfrm>
+      </p:grpSpPr>
+      <p:sp>
+        <p:nvSpPr>
+          <p:cNvPr id="2" name="Oval 1"/>
+          <p:cNvSpPr/>
+          <p:nvPr/>
+        </p:nvSpPr>
+        <p:spPr>
+          <a:xfrm>
             <a:off x="5598941" y="2841674"/>
             <a:ext cx="717452" cy="717452"/>
           </a:xfrm>
@@ -3619,7 +4888,7 @@
     </p:spTree>
     <p:extLst>
       <p:ext uri="{BB962C8B-B14F-4D97-AF65-F5344CB8AC3E}">
-        <p14:creationId xmlns:p14="http://schemas.microsoft.com/office/powerpoint/2010/main" val="713849625"/>
+        <p14:creationId xmlns:p14="http://schemas.microsoft.com/office/powerpoint/2010/main" val="158708940"/>
       </p:ext>
     </p:extLst>
   </p:cSld>

--- a/ps6/figures.pptx
+++ b/ps6/figures.pptx
@@ -7,6 +7,7 @@
   <p:sldIdLst>
     <p:sldId id="259" r:id="rId2"/>
     <p:sldId id="260" r:id="rId3"/>
+    <p:sldId id="261" r:id="rId4"/>
   </p:sldIdLst>
   <p:sldSz cx="12192000" cy="6858000"/>
   <p:notesSz cx="6858000" cy="9144000"/>
@@ -4898,6 +4899,96 @@
 </p:sld>
 </file>
 
+<file path=ppt/slides/slide3.xml><?xml version="1.0" encoding="utf-8"?>
+<p:sld xmlns:a="http://schemas.openxmlformats.org/drawingml/2006/main" xmlns:r="http://schemas.openxmlformats.org/officeDocument/2006/relationships" xmlns:p="http://schemas.openxmlformats.org/presentationml/2006/main">
+  <p:cSld>
+    <p:spTree>
+      <p:nvGrpSpPr>
+        <p:cNvPr id="1" name=""/>
+        <p:cNvGrpSpPr/>
+        <p:nvPr/>
+      </p:nvGrpSpPr>
+      <p:grpSpPr>
+        <a:xfrm>
+          <a:off x="0" y="0"/>
+          <a:ext cx="0" cy="0"/>
+          <a:chOff x="0" y="0"/>
+          <a:chExt cx="0" cy="0"/>
+        </a:xfrm>
+      </p:grpSpPr>
+      <p:pic>
+        <p:nvPicPr>
+          <p:cNvPr id="4" name="Picture 3"/>
+          <p:cNvPicPr>
+            <a:picLocks noChangeAspect="1"/>
+          </p:cNvPicPr>
+          <p:nvPr/>
+        </p:nvPicPr>
+        <p:blipFill>
+          <a:blip r:embed="rId2">
+            <a:extLst>
+              <a:ext uri="{28A0092B-C50C-407E-A947-70E740481C1C}">
+                <a14:useLocalDpi xmlns:a14="http://schemas.microsoft.com/office/drawing/2010/main" val="0"/>
+              </a:ext>
+            </a:extLst>
+          </a:blip>
+          <a:stretch>
+            <a:fillRect/>
+          </a:stretch>
+        </p:blipFill>
+        <p:spPr>
+          <a:xfrm>
+            <a:off x="5108713" y="1371600"/>
+            <a:ext cx="5478946" cy="2435087"/>
+          </a:xfrm>
+          <a:prstGeom prst="rect">
+            <a:avLst/>
+          </a:prstGeom>
+        </p:spPr>
+      </p:pic>
+      <p:pic>
+        <p:nvPicPr>
+          <p:cNvPr id="5" name="Picture 4"/>
+          <p:cNvPicPr>
+            <a:picLocks noChangeAspect="1"/>
+          </p:cNvPicPr>
+          <p:nvPr/>
+        </p:nvPicPr>
+        <p:blipFill>
+          <a:blip r:embed="rId3">
+            <a:extLst>
+              <a:ext uri="{28A0092B-C50C-407E-A947-70E740481C1C}">
+                <a14:useLocalDpi xmlns:a14="http://schemas.microsoft.com/office/drawing/2010/main" val="0"/>
+              </a:ext>
+            </a:extLst>
+          </a:blip>
+          <a:stretch>
+            <a:fillRect/>
+          </a:stretch>
+        </p:blipFill>
+        <p:spPr>
+          <a:xfrm>
+            <a:off x="1249570" y="1375731"/>
+            <a:ext cx="3859143" cy="2430956"/>
+          </a:xfrm>
+          <a:prstGeom prst="rect">
+            <a:avLst/>
+          </a:prstGeom>
+        </p:spPr>
+      </p:pic>
+    </p:spTree>
+    <p:extLst>
+      <p:ext uri="{BB962C8B-B14F-4D97-AF65-F5344CB8AC3E}">
+        <p14:creationId xmlns:p14="http://schemas.microsoft.com/office/powerpoint/2010/main" val="2080280999"/>
+      </p:ext>
+    </p:extLst>
+  </p:cSld>
+  <p:clrMapOvr>
+    <a:masterClrMapping/>
+  </p:clrMapOvr>
+</p:sld>
+</file>
+
 <file path=ppt/theme/theme1.xml><?xml version="1.0" encoding="utf-8"?>
 <a:theme xmlns:a="http://schemas.openxmlformats.org/drawingml/2006/main" name="Office Theme">
   <a:themeElements>
